--- a/modernAssets/images/cover-two.pptx
+++ b/modernAssets/images/cover-two.pptx
@@ -2993,13 +2993,13 @@
               </a:ext>
             </a:extLst>
           </a:blip>
-          <a:srcRect r="11092"/>
+          <a:srcRect r="11092" b="9993"/>
           <a:stretch/>
         </p:blipFill>
         <p:spPr>
           <a:xfrm>
-            <a:off x="6267832" y="560173"/>
-            <a:ext cx="5605040" cy="2669059"/>
+            <a:off x="6267832" y="992935"/>
+            <a:ext cx="5040000" cy="2160167"/>
           </a:xfrm>
           <a:prstGeom prst="rect">
             <a:avLst/>
@@ -3032,13 +3032,13 @@
               </a:ext>
             </a:extLst>
           </a:blip>
-          <a:srcRect b="19074"/>
+          <a:srcRect b="24014"/>
           <a:stretch/>
         </p:blipFill>
         <p:spPr>
           <a:xfrm>
-            <a:off x="6267832" y="3501080"/>
-            <a:ext cx="5605040" cy="2553731"/>
+            <a:off x="6267832" y="3708932"/>
+            <a:ext cx="5040000" cy="2156134"/>
           </a:xfrm>
           <a:prstGeom prst="rect">
             <a:avLst/>
@@ -3071,13 +3071,13 @@
               </a:ext>
             </a:extLst>
           </a:blip>
-          <a:srcRect t="4261" r="19162" b="39236"/>
+          <a:srcRect t="4260" r="19162" b="41607"/>
           <a:stretch/>
         </p:blipFill>
         <p:spPr>
           <a:xfrm>
-            <a:off x="180578" y="560172"/>
-            <a:ext cx="5965969" cy="2669059"/>
+            <a:off x="884168" y="992934"/>
+            <a:ext cx="5040000" cy="2160168"/>
           </a:xfrm>
           <a:prstGeom prst="rect">
             <a:avLst/>
@@ -3109,8 +3109,8 @@
         </p:blipFill>
         <p:spPr>
           <a:xfrm>
-            <a:off x="188661" y="3501080"/>
-            <a:ext cx="5957886" cy="2553731"/>
+            <a:off x="884168" y="3704769"/>
+            <a:ext cx="5040000" cy="2160297"/>
           </a:xfrm>
           <a:prstGeom prst="rect">
             <a:avLst/>
